--- a/chatbot/wooriggiri_chatbot_중간발표_0522.pptx
+++ b/chatbot/wooriggiri_chatbot_중간발표_0522.pptx
@@ -3961,7 +3961,7 @@
             </a:r>
             <a:r>
               <a:rPr lang="ko-KR" altLang="en-US" sz="2800" b="1" dirty="0"/>
-              <a:t> 사이트입니다</a:t>
+              <a:t>입니다</a:t>
             </a:r>
             <a:r>
               <a:rPr lang="en-US" altLang="ko-KR" sz="2800" b="1" dirty="0"/>
@@ -4374,15 +4374,6 @@
               </a:rPr>
               <a:t>인터넷 커뮤니티</a:t>
             </a:r>
-            <a:r>
-              <a:rPr lang="ko-KR" altLang="en-US" sz="2000" b="1" dirty="0"/>
-              <a:t> 사이트</a:t>
-            </a:r>
-            <a:endParaRPr lang="ko-KR" altLang="en-US" sz="2000" b="1" dirty="0">
-              <a:solidFill>
-                <a:schemeClr val="accent2"/>
-              </a:solidFill>
-            </a:endParaRPr>
           </a:p>
         </p:txBody>
       </p:sp>
@@ -4705,10 +4696,10 @@
       </p:cxnSp>
       <p:sp>
         <p:nvSpPr>
-          <p:cNvPr id="11" name="TextBox 10">
-            <a:extLst>
-              <a:ext uri="{FF2B5EF4-FFF2-40B4-BE49-F238E27FC236}">
-                <a16:creationId xmlns:a16="http://schemas.microsoft.com/office/drawing/2014/main" id="{9569108F-7502-4DDF-AD3F-5AFFEB1DCC26}"/>
+          <p:cNvPr id="18" name="TextBox 17">
+            <a:extLst>
+              <a:ext uri="{FF2B5EF4-FFF2-40B4-BE49-F238E27FC236}">
+                <a16:creationId xmlns:a16="http://schemas.microsoft.com/office/drawing/2014/main" id="{079908E5-33B3-40EF-86B0-834707DB9C92}"/>
               </a:ext>
             </a:extLst>
           </p:cNvPr>
@@ -4717,8 +4708,8 @@
         </p:nvSpPr>
         <p:spPr>
           <a:xfrm>
-            <a:off x="1878974" y="3108398"/>
-            <a:ext cx="3182586" cy="954107"/>
+            <a:off x="6901539" y="4473252"/>
+            <a:ext cx="2990589" cy="523220"/>
           </a:xfrm>
           <a:prstGeom prst="rect">
             <a:avLst/>
@@ -4754,27 +4745,19 @@
           </a:bodyPr>
           <a:lstStyle/>
           <a:p>
-            <a:pPr algn="ctr"/>
-            <a:r>
-              <a:rPr lang="en-US" altLang="ko-KR" sz="2800" b="1" u="sng" dirty="0" err="1">
-                <a:latin typeface="Bodoni MT Black" panose="02070A03080606020203" pitchFamily="18" charset="0"/>
-              </a:rPr>
-              <a:t>Wooriggiri</a:t>
-            </a:r>
-            <a:r>
-              <a:rPr lang="en-US" altLang="ko-KR" sz="2800" b="1" dirty="0"/>
-              <a:t> chatbot Intro</a:t>
-            </a:r>
-            <a:endParaRPr lang="ko-KR" altLang="en-US" sz="2800" b="1" dirty="0"/>
-          </a:p>
-        </p:txBody>
-      </p:sp>
-      <p:sp>
-        <p:nvSpPr>
-          <p:cNvPr id="18" name="TextBox 17">
-            <a:extLst>
-              <a:ext uri="{FF2B5EF4-FFF2-40B4-BE49-F238E27FC236}">
-                <a16:creationId xmlns:a16="http://schemas.microsoft.com/office/drawing/2014/main" id="{079908E5-33B3-40EF-86B0-834707DB9C92}"/>
+            <a:r>
+              <a:rPr lang="ko-KR" altLang="en-US" sz="2800" b="1" dirty="0"/>
+              <a:t>작성자 검색</a:t>
+            </a:r>
+          </a:p>
+        </p:txBody>
+      </p:sp>
+      <p:sp>
+        <p:nvSpPr>
+          <p:cNvPr id="17" name="TextBox 16">
+            <a:extLst>
+              <a:ext uri="{FF2B5EF4-FFF2-40B4-BE49-F238E27FC236}">
+                <a16:creationId xmlns:a16="http://schemas.microsoft.com/office/drawing/2014/main" id="{2C531DEC-BCA2-4F14-90D2-9627EAD64555}"/>
               </a:ext>
             </a:extLst>
           </p:cNvPr>
@@ -4783,7 +4766,7 @@
         </p:nvSpPr>
         <p:spPr>
           <a:xfrm>
-            <a:off x="6901539" y="4473252"/>
+            <a:off x="6901541" y="3841999"/>
             <a:ext cx="2990589" cy="523220"/>
           </a:xfrm>
           <a:prstGeom prst="rect">
@@ -4822,17 +4805,17 @@
           <a:p>
             <a:r>
               <a:rPr lang="ko-KR" altLang="en-US" sz="2800" b="1" dirty="0"/>
-              <a:t>작성자 검색</a:t>
-            </a:r>
-          </a:p>
-        </p:txBody>
-      </p:sp>
-      <p:sp>
-        <p:nvSpPr>
-          <p:cNvPr id="17" name="TextBox 16">
-            <a:extLst>
-              <a:ext uri="{FF2B5EF4-FFF2-40B4-BE49-F238E27FC236}">
-                <a16:creationId xmlns:a16="http://schemas.microsoft.com/office/drawing/2014/main" id="{2C531DEC-BCA2-4F14-90D2-9627EAD64555}"/>
+              <a:t>제목 검색</a:t>
+            </a:r>
+          </a:p>
+        </p:txBody>
+      </p:sp>
+      <p:sp>
+        <p:nvSpPr>
+          <p:cNvPr id="16" name="TextBox 15">
+            <a:extLst>
+              <a:ext uri="{FF2B5EF4-FFF2-40B4-BE49-F238E27FC236}">
+                <a16:creationId xmlns:a16="http://schemas.microsoft.com/office/drawing/2014/main" id="{EB60536E-9DBF-4BA1-A54B-9A397C60BC23}"/>
               </a:ext>
             </a:extLst>
           </p:cNvPr>
@@ -4841,7 +4824,7 @@
         </p:nvSpPr>
         <p:spPr>
           <a:xfrm>
-            <a:off x="6901541" y="3841999"/>
+            <a:off x="6901542" y="3210746"/>
             <a:ext cx="2990589" cy="523220"/>
           </a:xfrm>
           <a:prstGeom prst="rect">
@@ -4880,17 +4863,17 @@
           <a:p>
             <a:r>
               <a:rPr lang="ko-KR" altLang="en-US" sz="2800" b="1" dirty="0"/>
-              <a:t>제목 검색</a:t>
-            </a:r>
-          </a:p>
-        </p:txBody>
-      </p:sp>
-      <p:sp>
-        <p:nvSpPr>
-          <p:cNvPr id="16" name="TextBox 15">
-            <a:extLst>
-              <a:ext uri="{FF2B5EF4-FFF2-40B4-BE49-F238E27FC236}">
-                <a16:creationId xmlns:a16="http://schemas.microsoft.com/office/drawing/2014/main" id="{EB60536E-9DBF-4BA1-A54B-9A397C60BC23}"/>
+              <a:t>게시판 검색</a:t>
+            </a:r>
+          </a:p>
+        </p:txBody>
+      </p:sp>
+      <p:sp>
+        <p:nvSpPr>
+          <p:cNvPr id="11" name="TextBox 10">
+            <a:extLst>
+              <a:ext uri="{FF2B5EF4-FFF2-40B4-BE49-F238E27FC236}">
+                <a16:creationId xmlns:a16="http://schemas.microsoft.com/office/drawing/2014/main" id="{9569108F-7502-4DDF-AD3F-5AFFEB1DCC26}"/>
               </a:ext>
             </a:extLst>
           </p:cNvPr>
@@ -4899,8 +4882,8 @@
         </p:nvSpPr>
         <p:spPr>
           <a:xfrm>
-            <a:off x="6901542" y="3210746"/>
-            <a:ext cx="2990589" cy="523220"/>
+            <a:off x="1878974" y="3108398"/>
+            <a:ext cx="3182586" cy="954107"/>
           </a:xfrm>
           <a:prstGeom prst="rect">
             <a:avLst/>
@@ -4936,10 +4919,18 @@
           </a:bodyPr>
           <a:lstStyle/>
           <a:p>
-            <a:r>
-              <a:rPr lang="ko-KR" altLang="en-US" sz="2800" b="1" dirty="0"/>
-              <a:t>게시판 검색</a:t>
-            </a:r>
+            <a:pPr algn="ctr"/>
+            <a:r>
+              <a:rPr lang="en-US" altLang="ko-KR" sz="2800" b="1" u="sng" dirty="0" err="1">
+                <a:latin typeface="Bodoni MT Black" panose="02070A03080606020203" pitchFamily="18" charset="0"/>
+              </a:rPr>
+              <a:t>Wooriggiri</a:t>
+            </a:r>
+            <a:r>
+              <a:rPr lang="en-US" altLang="ko-KR" sz="2800" b="1" dirty="0"/>
+              <a:t> chatbot Intro</a:t>
+            </a:r>
+            <a:endParaRPr lang="ko-KR" altLang="en-US" sz="2800" b="1" dirty="0"/>
           </a:p>
         </p:txBody>
       </p:sp>
